--- a/IDCC-2020-poster.pptx
+++ b/IDCC-2020-poster.pptx
@@ -4993,7 +4993,7 @@
             </a:pPr>
             <a:r>
               <a:rPr lang="en-GB" sz="2800" dirty="0" smtClean="0"/>
-              <a:t>1905 articles on “</a:t>
+              <a:t>A 1905 article on “</a:t>
             </a:r>
             <a:r>
               <a:rPr lang="en-GB" sz="2800" i="1" dirty="0"/>
@@ -5295,7 +5295,7 @@
         </p:blipFill>
         <p:spPr>
           <a:xfrm>
-            <a:off x="39718742" y="30035144"/>
+            <a:off x="39718742" y="29808271"/>
             <a:ext cx="1916625" cy="1916625"/>
           </a:xfrm>
           <a:prstGeom prst="rect">
@@ -5784,8 +5784,13 @@
             </a:r>
             <a:r>
               <a:rPr lang="en-US" sz="2800" dirty="0"/>
-              <a:t>When encoding and solving TAPs via ASP, the different answer sets represent alternative taxonomy merge solutions or possible worlds (PWs). </a:t>
-            </a:r>
+              <a:t>When encoding and solving TAPs via ASP, the different answer sets represent alternative taxonomy merge solutions or possible worlds (PWs</a:t>
+            </a:r>
+            <a:r>
+              <a:rPr lang="en-US" sz="2800" dirty="0" smtClean="0"/>
+              <a:t>)</a:t>
+            </a:r>
+            <a:endParaRPr lang="en-US" sz="2800" dirty="0"/>
           </a:p>
           <a:p>
             <a:pPr>
@@ -7591,7 +7596,11 @@
             </a:r>
             <a:r>
               <a:rPr lang="en-GB" sz="2800" dirty="0" smtClean="0"/>
-              <a:t> for their continuous support. </a:t>
+              <a:t> for their </a:t>
+            </a:r>
+            <a:r>
+              <a:rPr lang="en-GB" sz="2800" smtClean="0"/>
+              <a:t>continuous support.</a:t>
             </a:r>
             <a:endParaRPr lang="en-GB" sz="2800" dirty="0"/>
           </a:p>
@@ -7639,6 +7648,91 @@
           </a:prstGeom>
         </p:spPr>
       </p:pic>
+      <p:sp>
+        <p:nvSpPr>
+          <p:cNvPr id="90" name="Rectangle 89"/>
+          <p:cNvSpPr/>
+          <p:nvPr/>
+        </p:nvSpPr>
+        <p:spPr>
+          <a:xfrm>
+            <a:off x="11873309" y="6594104"/>
+            <a:ext cx="1503339" cy="725127"/>
+          </a:xfrm>
+          <a:prstGeom prst="rect">
+            <a:avLst/>
+          </a:prstGeom>
+          <a:ln w="57150">
+            <a:solidFill>
+              <a:schemeClr val="accent4">
+                <a:lumMod val="60000"/>
+                <a:lumOff val="40000"/>
+              </a:schemeClr>
+            </a:solidFill>
+            <a:prstDash val="sysDash"/>
+          </a:ln>
+        </p:spPr>
+        <p:style>
+          <a:lnRef idx="2">
+            <a:schemeClr val="accent2"/>
+          </a:lnRef>
+          <a:fillRef idx="1">
+            <a:schemeClr val="lt1"/>
+          </a:fillRef>
+          <a:effectRef idx="0">
+            <a:schemeClr val="accent2"/>
+          </a:effectRef>
+          <a:fontRef idx="minor">
+            <a:schemeClr val="dk1"/>
+          </a:fontRef>
+        </p:style>
+        <p:txBody>
+          <a:bodyPr rtlCol="0" anchor="ctr"/>
+          <a:lstStyle/>
+          <a:p>
+            <a:pPr algn="ctr"/>
+            <a:r>
+              <a:rPr lang="en-US" sz="3600" smtClean="0">
+                <a:ln w="0">
+                  <a:noFill/>
+                </a:ln>
+                <a:solidFill>
+                  <a:schemeClr val="accent4"/>
+                </a:solidFill>
+                <a:effectLst>
+                  <a:outerShdw blurRad="38100" dist="25400" dir="5400000" algn="ctr" rotWithShape="0">
+                    <a:srgbClr val="6E747A">
+                      <a:alpha val="43000"/>
+                    </a:srgbClr>
+                  </a:outerShdw>
+                </a:effectLst>
+                <a:latin typeface="Courier" charset="0"/>
+                <a:ea typeface="Courier" charset="0"/>
+                <a:cs typeface="Courier" charset="0"/>
+              </a:rPr>
+              <a:t>YEAR</a:t>
+            </a:r>
+            <a:endParaRPr lang="en-US" sz="3600" dirty="0">
+              <a:ln w="0">
+                <a:noFill/>
+              </a:ln>
+              <a:solidFill>
+                <a:schemeClr val="accent4"/>
+              </a:solidFill>
+              <a:effectLst>
+                <a:outerShdw blurRad="38100" dist="25400" dir="5400000" algn="ctr" rotWithShape="0">
+                  <a:srgbClr val="6E747A">
+                    <a:alpha val="43000"/>
+                  </a:srgbClr>
+                </a:outerShdw>
+              </a:effectLst>
+              <a:latin typeface="Courier" charset="0"/>
+              <a:ea typeface="Courier" charset="0"/>
+              <a:cs typeface="Courier" charset="0"/>
+            </a:endParaRPr>
+          </a:p>
+        </p:txBody>
+      </p:sp>
     </p:spTree>
   </p:cSld>
   <p:clrMapOvr>
